--- a/CaroProject.pptx
+++ b/CaroProject.pptx
@@ -297,7 +297,7 @@
   <pc:docChgLst>
     <pc:chgData name="LẠI MINH THÔNG" userId="e647e863-2d14-4432-942a-f1a27c6464ce" providerId="ADAL" clId="{D8C2BE1E-ED7A-407E-9AD0-97B6C710D3AD}"/>
     <pc:docChg chg="undo redo custSel addSld delSld modSld sldOrd delMainMaster">
-      <pc:chgData name="LẠI MINH THÔNG" userId="e647e863-2d14-4432-942a-f1a27c6464ce" providerId="ADAL" clId="{D8C2BE1E-ED7A-407E-9AD0-97B6C710D3AD}" dt="2021-08-05T17:50:01.157" v="10922" actId="20577"/>
+      <pc:chgData name="LẠI MINH THÔNG" userId="e647e863-2d14-4432-942a-f1a27c6464ce" providerId="ADAL" clId="{D8C2BE1E-ED7A-407E-9AD0-97B6C710D3AD}" dt="2021-08-05T18:35:14.675" v="10950" actId="20577"/>
       <pc:docMkLst>
         <pc:docMk/>
       </pc:docMkLst>
@@ -2110,7 +2110,7 @@
         </pc:spChg>
       </pc:sldChg>
       <pc:sldChg chg="addSp delSp modSp new mod">
-        <pc:chgData name="LẠI MINH THÔNG" userId="e647e863-2d14-4432-942a-f1a27c6464ce" providerId="ADAL" clId="{D8C2BE1E-ED7A-407E-9AD0-97B6C710D3AD}" dt="2021-08-05T17:50:01.157" v="10922" actId="20577"/>
+        <pc:chgData name="LẠI MINH THÔNG" userId="e647e863-2d14-4432-942a-f1a27c6464ce" providerId="ADAL" clId="{D8C2BE1E-ED7A-407E-9AD0-97B6C710D3AD}" dt="2021-08-05T18:35:14.675" v="10950" actId="20577"/>
         <pc:sldMkLst>
           <pc:docMk/>
           <pc:sldMk cId="457837273" sldId="365"/>
@@ -2140,7 +2140,7 @@
           </ac:spMkLst>
         </pc:spChg>
         <pc:spChg chg="add mod">
-          <ac:chgData name="LẠI MINH THÔNG" userId="e647e863-2d14-4432-942a-f1a27c6464ce" providerId="ADAL" clId="{D8C2BE1E-ED7A-407E-9AD0-97B6C710D3AD}" dt="2021-08-05T17:50:01.157" v="10922" actId="20577"/>
+          <ac:chgData name="LẠI MINH THÔNG" userId="e647e863-2d14-4432-942a-f1a27c6464ce" providerId="ADAL" clId="{D8C2BE1E-ED7A-407E-9AD0-97B6C710D3AD}" dt="2021-08-05T18:35:14.675" v="10950" actId="20577"/>
           <ac:spMkLst>
             <pc:docMk/>
             <pc:sldMk cId="457837273" sldId="365"/>
@@ -47913,8 +47913,8 @@
         </p:nvSpPr>
         <p:spPr>
           <a:xfrm>
-            <a:off x="907676" y="833717"/>
-            <a:ext cx="7431843" cy="830997"/>
+            <a:off x="803461" y="1008529"/>
+            <a:ext cx="7537077" cy="2800767"/>
           </a:xfrm>
           <a:prstGeom prst="rect">
             <a:avLst/>
@@ -47922,7 +47922,7 @@
           <a:noFill/>
         </p:spPr>
         <p:txBody>
-          <a:bodyPr wrap="none" rtlCol="0">
+          <a:bodyPr wrap="square" rtlCol="0">
             <a:spAutoFit/>
           </a:bodyPr>
           <a:lstStyle/>
@@ -48001,7 +48001,17 @@
             </a:r>
             <a:r>
               <a:rPr lang="en-US" sz="1600" dirty="0"/>
-              <a:t> file document CaroProject.docx.</a:t>
+              <a:t> file document </a:t>
+            </a:r>
+            <a:r>
+              <a:rPr lang="en-US" sz="1600" dirty="0">
+                <a:hlinkClick r:id="rId2"/>
+              </a:rPr>
+              <a:t>CaroProject.docx</a:t>
+            </a:r>
+            <a:r>
+              <a:rPr lang="en-US" sz="1600" dirty="0"/>
+              <a:t>.</a:t>
             </a:r>
           </a:p>
           <a:p>
@@ -48012,6 +48022,34 @@
             </a:endParaRPr>
           </a:p>
           <a:p>
+            <a:endParaRPr lang="en-US" sz="1600" b="1" dirty="0">
+              <a:solidFill>
+                <a:srgbClr val="7030A0"/>
+              </a:solidFill>
+            </a:endParaRPr>
+          </a:p>
+          <a:p>
+            <a:endParaRPr lang="en-US" sz="1600" b="1" dirty="0">
+              <a:solidFill>
+                <a:srgbClr val="7030A0"/>
+              </a:solidFill>
+            </a:endParaRPr>
+          </a:p>
+          <a:p>
+            <a:endParaRPr lang="en-US" sz="1600" b="1" dirty="0">
+              <a:solidFill>
+                <a:srgbClr val="7030A0"/>
+              </a:solidFill>
+            </a:endParaRPr>
+          </a:p>
+          <a:p>
+            <a:endParaRPr lang="en-US" sz="1600" b="1" dirty="0">
+              <a:solidFill>
+                <a:srgbClr val="7030A0"/>
+              </a:solidFill>
+            </a:endParaRPr>
+          </a:p>
+          <a:p>
             <a:r>
               <a:rPr lang="en-US" sz="1600" dirty="0">
                 <a:solidFill>
@@ -48060,16 +48098,47 @@
                   </a:schemeClr>
                 </a:solidFill>
               </a:rPr>
-              <a:t>: </a:t>
-            </a:r>
+              <a:t>:</a:t>
+            </a:r>
+          </a:p>
+          <a:p>
             <a:r>
               <a:rPr lang="en-US" sz="1600" b="1" dirty="0">
                 <a:solidFill>
                   <a:srgbClr val="7030A0"/>
                 </a:solidFill>
+                <a:hlinkClick r:id="rId3"/>
               </a:rPr>
               <a:t>https://github.com/ThongLai/caro_Proj</a:t>
             </a:r>
+            <a:endParaRPr lang="en-US" sz="1600" b="1" dirty="0">
+              <a:solidFill>
+                <a:srgbClr val="7030A0"/>
+              </a:solidFill>
+            </a:endParaRPr>
+          </a:p>
+          <a:p>
+            <a:endParaRPr lang="en-US" sz="1600" b="1" dirty="0">
+              <a:solidFill>
+                <a:srgbClr val="7030A0"/>
+              </a:solidFill>
+            </a:endParaRPr>
+          </a:p>
+          <a:p>
+            <a:r>
+              <a:rPr lang="en-US" sz="1600" b="1" dirty="0">
+                <a:solidFill>
+                  <a:srgbClr val="7030A0"/>
+                </a:solidFill>
+                <a:hlinkClick r:id="rId4"/>
+              </a:rPr>
+              <a:t>https://drive.google.com/file/d/1ajjoy8YVId_Pa-hbNDtHiWqjpNiJ1l8-/view?usp=sharing</a:t>
+            </a:r>
+            <a:endParaRPr lang="en-US" sz="1600" b="1" dirty="0">
+              <a:solidFill>
+                <a:srgbClr val="7030A0"/>
+              </a:solidFill>
+            </a:endParaRPr>
           </a:p>
         </p:txBody>
       </p:sp>
